--- a/씨샵/씨샵피피티/제가 가공한 것/6단원.pptx
+++ b/씨샵/씨샵피피티/제가 가공한 것/6단원.pptx
@@ -278,7 +278,7 @@
             <a:fld id="{DC87C3E9-2372-4D2D-A8FE-578D26F0CAB8}" type="datetimeFigureOut">
               <a:rPr lang="ko-KR" altLang="en-US" smtClean="0"/>
               <a:pPr/>
-              <a:t>2020-05-25</a:t>
+              <a:t>2024-03-20</a:t>
             </a:fld>
             <a:endParaRPr lang="ko-KR" altLang="en-US"/>
           </a:p>
@@ -445,7 +445,7 @@
             <a:fld id="{05BC3899-2E4F-4D3A-8D29-BF4BDDE21DE2}" type="datetimeFigureOut">
               <a:rPr lang="ko-KR" altLang="en-US" smtClean="0"/>
               <a:pPr/>
-              <a:t>2020-05-25</a:t>
+              <a:t>2024-03-20</a:t>
             </a:fld>
             <a:endParaRPr lang="ko-KR" altLang="en-US"/>
           </a:p>
@@ -5098,7 +5098,7 @@
             <a:fld id="{4B2FD9B6-DC5A-4644-B01F-335E6DD2CDD1}" type="datetimeFigureOut">
               <a:rPr lang="ko-KR" altLang="en-US" smtClean="0"/>
               <a:pPr/>
-              <a:t>2020-05-25</a:t>
+              <a:t>2024-03-20</a:t>
             </a:fld>
             <a:endParaRPr lang="ko-KR" altLang="en-US" dirty="0"/>
           </a:p>
@@ -5879,6 +5879,13 @@
   <p:clrMapOvr>
     <a:masterClrMapping/>
   </p:clrMapOvr>
+  <p:timing>
+    <p:tnLst>
+      <p:par>
+        <p:cTn id="1" dur="indefinite" restart="never" nodeType="tmRoot"/>
+      </p:par>
+    </p:tnLst>
+  </p:timing>
 </p:sld>
 </file>
 
@@ -6101,6 +6108,13 @@
   <p:clrMapOvr>
     <a:masterClrMapping/>
   </p:clrMapOvr>
+  <p:timing>
+    <p:tnLst>
+      <p:par>
+        <p:cTn id="1" dur="indefinite" restart="never" nodeType="tmRoot"/>
+      </p:par>
+    </p:tnLst>
+  </p:timing>
 </p:sld>
 </file>
 
@@ -6280,6 +6294,13 @@
   <p:clrMapOvr>
     <a:masterClrMapping/>
   </p:clrMapOvr>
+  <p:timing>
+    <p:tnLst>
+      <p:par>
+        <p:cTn id="1" dur="indefinite" restart="never" nodeType="tmRoot"/>
+      </p:par>
+    </p:tnLst>
+  </p:timing>
 </p:sld>
 </file>
 
@@ -6569,6 +6590,13 @@
   <p:clrMapOvr>
     <a:masterClrMapping/>
   </p:clrMapOvr>
+  <p:timing>
+    <p:tnLst>
+      <p:par>
+        <p:cTn id="1" dur="indefinite" restart="never" nodeType="tmRoot"/>
+      </p:par>
+    </p:tnLst>
+  </p:timing>
 </p:sld>
 </file>
 
@@ -6729,6 +6757,13 @@
   <p:clrMapOvr>
     <a:masterClrMapping/>
   </p:clrMapOvr>
+  <p:timing>
+    <p:tnLst>
+      <p:par>
+        <p:cTn id="1" dur="indefinite" restart="never" nodeType="tmRoot"/>
+      </p:par>
+    </p:tnLst>
+  </p:timing>
 </p:sld>
 </file>
 
@@ -6997,6 +7032,13 @@
   <p:clrMapOvr>
     <a:masterClrMapping/>
   </p:clrMapOvr>
+  <p:timing>
+    <p:tnLst>
+      <p:par>
+        <p:cTn id="1" dur="indefinite" restart="never" nodeType="tmRoot"/>
+      </p:par>
+    </p:tnLst>
+  </p:timing>
 </p:sld>
 </file>
 
@@ -7221,6 +7263,13 @@
   <p:clrMapOvr>
     <a:masterClrMapping/>
   </p:clrMapOvr>
+  <p:timing>
+    <p:tnLst>
+      <p:par>
+        <p:cTn id="1" dur="indefinite" restart="never" nodeType="tmRoot"/>
+      </p:par>
+    </p:tnLst>
+  </p:timing>
 </p:sld>
 </file>
 
@@ -7601,6 +7650,13 @@
   <p:clrMapOvr>
     <a:masterClrMapping/>
   </p:clrMapOvr>
+  <p:timing>
+    <p:tnLst>
+      <p:par>
+        <p:cTn id="1" dur="indefinite" restart="never" nodeType="tmRoot"/>
+      </p:par>
+    </p:tnLst>
+  </p:timing>
 </p:sld>
 </file>
 
@@ -7882,6 +7938,13 @@
   <p:clrMapOvr>
     <a:masterClrMapping/>
   </p:clrMapOvr>
+  <p:timing>
+    <p:tnLst>
+      <p:par>
+        <p:cTn id="1" dur="indefinite" restart="never" nodeType="tmRoot"/>
+      </p:par>
+    </p:tnLst>
+  </p:timing>
 </p:sld>
 </file>
 
@@ -8116,6 +8179,13 @@
   <p:clrMapOvr>
     <a:masterClrMapping/>
   </p:clrMapOvr>
+  <p:timing>
+    <p:tnLst>
+      <p:par>
+        <p:cTn id="1" dur="indefinite" restart="never" nodeType="tmRoot"/>
+      </p:par>
+    </p:tnLst>
+  </p:timing>
 </p:sld>
 </file>
 
@@ -8384,6 +8454,13 @@
   <p:clrMapOvr>
     <a:masterClrMapping/>
   </p:clrMapOvr>
+  <p:timing>
+    <p:tnLst>
+      <p:par>
+        <p:cTn id="1" dur="indefinite" restart="never" nodeType="tmRoot"/>
+      </p:par>
+    </p:tnLst>
+  </p:timing>
 </p:sld>
 </file>
 
@@ -8562,6 +8639,13 @@
   <p:clrMapOvr>
     <a:masterClrMapping/>
   </p:clrMapOvr>
+  <p:timing>
+    <p:tnLst>
+      <p:par>
+        <p:cTn id="1" dur="indefinite" restart="never" nodeType="tmRoot"/>
+      </p:par>
+    </p:tnLst>
+  </p:timing>
 </p:sld>
 </file>
 
@@ -8755,6 +8839,13 @@
   <p:clrMapOvr>
     <a:masterClrMapping/>
   </p:clrMapOvr>
+  <p:timing>
+    <p:tnLst>
+      <p:par>
+        <p:cTn id="1" dur="indefinite" restart="never" nodeType="tmRoot"/>
+      </p:par>
+    </p:tnLst>
+  </p:timing>
 </p:sld>
 </file>
 
@@ -8946,6 +9037,13 @@
   <p:clrMapOvr>
     <a:masterClrMapping/>
   </p:clrMapOvr>
+  <p:timing>
+    <p:tnLst>
+      <p:par>
+        <p:cTn id="1" dur="indefinite" restart="never" nodeType="tmRoot"/>
+      </p:par>
+    </p:tnLst>
+  </p:timing>
 </p:sld>
 </file>
 
@@ -9698,6 +9796,13 @@
   <p:clrMapOvr>
     <a:masterClrMapping/>
   </p:clrMapOvr>
+  <p:timing>
+    <p:tnLst>
+      <p:par>
+        <p:cTn id="1" dur="indefinite" restart="never" nodeType="tmRoot"/>
+      </p:par>
+    </p:tnLst>
+  </p:timing>
 </p:sld>
 </file>
 
@@ -9995,6 +10100,13 @@
   <p:clrMapOvr>
     <a:masterClrMapping/>
   </p:clrMapOvr>
+  <p:timing>
+    <p:tnLst>
+      <p:par>
+        <p:cTn id="1" dur="indefinite" restart="never" nodeType="tmRoot"/>
+      </p:par>
+    </p:tnLst>
+  </p:timing>
 </p:sld>
 </file>
 
@@ -10154,6 +10266,13 @@
   <p:clrMapOvr>
     <a:masterClrMapping/>
   </p:clrMapOvr>
+  <p:timing>
+    <p:tnLst>
+      <p:par>
+        <p:cTn id="1" dur="indefinite" restart="never" nodeType="tmRoot"/>
+      </p:par>
+    </p:tnLst>
+  </p:timing>
 </p:sld>
 </file>
 
@@ -10467,6 +10586,13 @@
   <p:clrMapOvr>
     <a:masterClrMapping/>
   </p:clrMapOvr>
+  <p:timing>
+    <p:tnLst>
+      <p:par>
+        <p:cTn id="1" dur="indefinite" restart="never" nodeType="tmRoot"/>
+      </p:par>
+    </p:tnLst>
+  </p:timing>
 </p:sld>
 </file>
 
@@ -10685,6 +10811,13 @@
   <p:clrMapOvr>
     <a:masterClrMapping/>
   </p:clrMapOvr>
+  <p:timing>
+    <p:tnLst>
+      <p:par>
+        <p:cTn id="1" dur="indefinite" restart="never" nodeType="tmRoot"/>
+      </p:par>
+    </p:tnLst>
+  </p:timing>
 </p:sld>
 </file>
 
@@ -10910,6 +11043,13 @@
   <p:clrMapOvr>
     <a:masterClrMapping/>
   </p:clrMapOvr>
+  <p:timing>
+    <p:tnLst>
+      <p:par>
+        <p:cTn id="1" dur="indefinite" restart="never" nodeType="tmRoot"/>
+      </p:par>
+    </p:tnLst>
+  </p:timing>
 </p:sld>
 </file>
 
@@ -11113,6 +11253,13 @@
   <p:clrMapOvr>
     <a:masterClrMapping/>
   </p:clrMapOvr>
+  <p:timing>
+    <p:tnLst>
+      <p:par>
+        <p:cTn id="1" dur="indefinite" restart="never" nodeType="tmRoot"/>
+      </p:par>
+    </p:tnLst>
+  </p:timing>
 </p:sld>
 </file>
 
@@ -11323,6 +11470,13 @@
   <p:clrMapOvr>
     <a:masterClrMapping/>
   </p:clrMapOvr>
+  <p:timing>
+    <p:tnLst>
+      <p:par>
+        <p:cTn id="1" dur="indefinite" restart="never" nodeType="tmRoot"/>
+      </p:par>
+    </p:tnLst>
+  </p:timing>
 </p:sld>
 </file>
 
@@ -11574,6 +11728,13 @@
   <p:clrMapOvr>
     <a:masterClrMapping/>
   </p:clrMapOvr>
+  <p:timing>
+    <p:tnLst>
+      <p:par>
+        <p:cTn id="1" dur="indefinite" restart="never" nodeType="tmRoot"/>
+      </p:par>
+    </p:tnLst>
+  </p:timing>
 </p:sld>
 </file>
 
@@ -11805,6 +11966,13 @@
   <p:clrMapOvr>
     <a:masterClrMapping/>
   </p:clrMapOvr>
+  <p:timing>
+    <p:tnLst>
+      <p:par>
+        <p:cTn id="1" dur="indefinite" restart="never" nodeType="tmRoot"/>
+      </p:par>
+    </p:tnLst>
+  </p:timing>
 </p:sld>
 </file>
 
@@ -12015,6 +12183,13 @@
   <p:clrMapOvr>
     <a:masterClrMapping/>
   </p:clrMapOvr>
+  <p:timing>
+    <p:tnLst>
+      <p:par>
+        <p:cTn id="1" dur="indefinite" restart="never" nodeType="tmRoot"/>
+      </p:par>
+    </p:tnLst>
+  </p:timing>
 </p:sld>
 </file>
 
@@ -12190,6 +12365,13 @@
   <p:clrMapOvr>
     <a:masterClrMapping/>
   </p:clrMapOvr>
+  <p:timing>
+    <p:tnLst>
+      <p:par>
+        <p:cTn id="1" dur="indefinite" restart="never" nodeType="tmRoot"/>
+      </p:par>
+    </p:tnLst>
+  </p:timing>
 </p:sld>
 </file>
 
@@ -12451,6 +12633,13 @@
   <p:clrMapOvr>
     <a:masterClrMapping/>
   </p:clrMapOvr>
+  <p:timing>
+    <p:tnLst>
+      <p:par>
+        <p:cTn id="1" dur="indefinite" restart="never" nodeType="tmRoot"/>
+      </p:par>
+    </p:tnLst>
+  </p:timing>
 </p:sld>
 </file>
 
@@ -13093,6 +13282,13 @@
   <p:clrMapOvr>
     <a:masterClrMapping/>
   </p:clrMapOvr>
+  <p:timing>
+    <p:tnLst>
+      <p:par>
+        <p:cTn id="1" dur="indefinite" restart="never" nodeType="tmRoot"/>
+      </p:par>
+    </p:tnLst>
+  </p:timing>
 </p:sld>
 </file>
 
@@ -13422,6 +13618,13 @@
   <p:clrMapOvr>
     <a:masterClrMapping/>
   </p:clrMapOvr>
+  <p:timing>
+    <p:tnLst>
+      <p:par>
+        <p:cTn id="1" dur="indefinite" restart="never" nodeType="tmRoot"/>
+      </p:par>
+    </p:tnLst>
+  </p:timing>
 </p:sld>
 </file>
 
@@ -13604,6 +13807,13 @@
   <p:clrMapOvr>
     <a:masterClrMapping/>
   </p:clrMapOvr>
+  <p:timing>
+    <p:tnLst>
+      <p:par>
+        <p:cTn id="1" dur="indefinite" restart="never" nodeType="tmRoot"/>
+      </p:par>
+    </p:tnLst>
+  </p:timing>
 </p:sld>
 </file>
 
@@ -13886,6 +14096,13 @@
   <p:clrMapOvr>
     <a:masterClrMapping/>
   </p:clrMapOvr>
+  <p:timing>
+    <p:tnLst>
+      <p:par>
+        <p:cTn id="1" dur="indefinite" restart="never" nodeType="tmRoot"/>
+      </p:par>
+    </p:tnLst>
+  </p:timing>
 </p:sld>
 </file>
 
@@ -14181,7 +14398,19 @@
             </a:r>
             <a:r>
               <a:rPr lang="en-US" altLang="ko-KR" sz="2000" dirty="0"/>
-              <a:t>Call by Value And reference by Value(</a:t>
+              <a:t>Call by Value And </a:t>
+            </a:r>
+            <a:r>
+              <a:rPr lang="en-US" altLang="ko-KR" sz="2000" dirty="0" smtClean="0"/>
+              <a:t>Call </a:t>
+            </a:r>
+            <a:r>
+              <a:rPr lang="en-US" altLang="ko-KR" sz="2000"/>
+              <a:t>by </a:t>
+            </a:r>
+            <a:r>
+              <a:rPr lang="en-US" altLang="ko-KR" sz="2000" smtClean="0"/>
+              <a:t>reference(</a:t>
             </a:r>
             <a:r>
               <a:rPr lang="ko-KR" altLang="en-US" sz="2000" dirty="0"/>
@@ -14387,6 +14616,13 @@
   <p:clrMapOvr>
     <a:masterClrMapping/>
   </p:clrMapOvr>
+  <p:timing>
+    <p:tnLst>
+      <p:par>
+        <p:cTn id="1" dur="indefinite" restart="never" nodeType="tmRoot"/>
+      </p:par>
+    </p:tnLst>
+  </p:timing>
 </p:sld>
 </file>
 
@@ -14589,6 +14825,13 @@
   <p:clrMapOvr>
     <a:masterClrMapping/>
   </p:clrMapOvr>
+  <p:timing>
+    <p:tnLst>
+      <p:par>
+        <p:cTn id="1" dur="indefinite" restart="never" nodeType="tmRoot"/>
+      </p:par>
+    </p:tnLst>
+  </p:timing>
 </p:sld>
 </file>
 
@@ -14772,6 +15015,13 @@
   <p:clrMapOvr>
     <a:masterClrMapping/>
   </p:clrMapOvr>
+  <p:timing>
+    <p:tnLst>
+      <p:par>
+        <p:cTn id="1" dur="indefinite" restart="never" nodeType="tmRoot"/>
+      </p:par>
+    </p:tnLst>
+  </p:timing>
 </p:sld>
 </file>
 
@@ -17208,6 +17458,13 @@
   <p:clrMapOvr>
     <a:masterClrMapping/>
   </p:clrMapOvr>
+  <p:timing>
+    <p:tnLst>
+      <p:par>
+        <p:cTn id="1" dur="indefinite" restart="never" nodeType="tmRoot"/>
+      </p:par>
+    </p:tnLst>
+  </p:timing>
 </p:sld>
 </file>
 
@@ -19516,6 +19773,13 @@
   <p:clrMapOvr>
     <a:masterClrMapping/>
   </p:clrMapOvr>
+  <p:timing>
+    <p:tnLst>
+      <p:par>
+        <p:cTn id="1" dur="indefinite" restart="never" nodeType="tmRoot"/>
+      </p:par>
+    </p:tnLst>
+  </p:timing>
 </p:sld>
 </file>
 
@@ -20822,6 +21086,13 @@
   <p:clrMapOvr>
     <a:masterClrMapping/>
   </p:clrMapOvr>
+  <p:timing>
+    <p:tnLst>
+      <p:par>
+        <p:cTn id="1" dur="indefinite" restart="never" nodeType="tmRoot"/>
+      </p:par>
+    </p:tnLst>
+  </p:timing>
 </p:sld>
 </file>
 
@@ -21097,6 +21368,13 @@
   <p:clrMapOvr>
     <a:masterClrMapping/>
   </p:clrMapOvr>
+  <p:timing>
+    <p:tnLst>
+      <p:par>
+        <p:cTn id="1" dur="indefinite" restart="never" nodeType="tmRoot"/>
+      </p:par>
+    </p:tnLst>
+  </p:timing>
 </p:sld>
 </file>
 
@@ -21448,6 +21726,13 @@
   <p:clrMapOvr>
     <a:masterClrMapping/>
   </p:clrMapOvr>
+  <p:timing>
+    <p:tnLst>
+      <p:par>
+        <p:cTn id="1" dur="indefinite" restart="never" nodeType="tmRoot"/>
+      </p:par>
+    </p:tnLst>
+  </p:timing>
 </p:sld>
 </file>
 
